--- a/SDSS_2024/Rogers_SDSS_2024.pptx
+++ b/SDSS_2024/Rogers_SDSS_2024.pptx
@@ -117,18 +117,18 @@
   <pc:docChgLst>
     <pc:chgData name="Rachel Rogers" userId="c734f431-8eed-4ab7-ac6d-c295893ffbb4" providerId="ADAL" clId="{DB4BB1D4-7284-40AC-866B-1285825AB27B}"/>
     <pc:docChg chg="modSld">
-      <pc:chgData name="Rachel Rogers" userId="c734f431-8eed-4ab7-ac6d-c295893ffbb4" providerId="ADAL" clId="{DB4BB1D4-7284-40AC-866B-1285825AB27B}" dt="2024-05-29T14:47:07.984" v="2"/>
+      <pc:chgData name="Rachel Rogers" userId="c734f431-8eed-4ab7-ac6d-c295893ffbb4" providerId="ADAL" clId="{DB4BB1D4-7284-40AC-866B-1285825AB27B}" dt="2024-05-29T15:48:50.722" v="45" actId="20577"/>
       <pc:docMkLst>
         <pc:docMk/>
       </pc:docMkLst>
       <pc:sldChg chg="modSp mod">
-        <pc:chgData name="Rachel Rogers" userId="c734f431-8eed-4ab7-ac6d-c295893ffbb4" providerId="ADAL" clId="{DB4BB1D4-7284-40AC-866B-1285825AB27B}" dt="2024-05-29T14:47:07.984" v="2"/>
+        <pc:chgData name="Rachel Rogers" userId="c734f431-8eed-4ab7-ac6d-c295893ffbb4" providerId="ADAL" clId="{DB4BB1D4-7284-40AC-866B-1285825AB27B}" dt="2024-05-29T15:48:50.722" v="45" actId="20577"/>
         <pc:sldMkLst>
           <pc:docMk/>
           <pc:sldMk cId="297094064" sldId="256"/>
         </pc:sldMkLst>
         <pc:spChg chg="mod">
-          <ac:chgData name="Rachel Rogers" userId="c734f431-8eed-4ab7-ac6d-c295893ffbb4" providerId="ADAL" clId="{DB4BB1D4-7284-40AC-866B-1285825AB27B}" dt="2024-05-29T14:47:07.984" v="2"/>
+          <ac:chgData name="Rachel Rogers" userId="c734f431-8eed-4ab7-ac6d-c295893ffbb4" providerId="ADAL" clId="{DB4BB1D4-7284-40AC-866B-1285825AB27B}" dt="2024-05-29T15:48:28.526" v="4"/>
           <ac:spMkLst>
             <pc:docMk/>
             <pc:sldMk cId="297094064" sldId="256"/>
@@ -136,7 +136,7 @@
           </ac:spMkLst>
         </pc:spChg>
         <pc:spChg chg="mod">
-          <ac:chgData name="Rachel Rogers" userId="c734f431-8eed-4ab7-ac6d-c295893ffbb4" providerId="ADAL" clId="{DB4BB1D4-7284-40AC-866B-1285825AB27B}" dt="2024-05-29T14:46:43.129" v="1" actId="20577"/>
+          <ac:chgData name="Rachel Rogers" userId="c734f431-8eed-4ab7-ac6d-c295893ffbb4" providerId="ADAL" clId="{DB4BB1D4-7284-40AC-866B-1285825AB27B}" dt="2024-05-29T15:48:50.722" v="45" actId="20577"/>
           <ac:spMkLst>
             <pc:docMk/>
             <pc:sldMk cId="297094064" sldId="256"/>
@@ -3387,65 +3387,44 @@
           <a:lstStyle/>
           <a:p>
             <a:r>
-              <a:rPr lang="en-US" b="0" i="1" dirty="0">
-                <a:solidFill>
-                  <a:srgbClr val="000000"/>
-                </a:solidFill>
-                <a:effectLst/>
-                <a:highlight>
-                  <a:srgbClr val="FFFFFF"/>
-                </a:highlight>
-                <a:latin typeface="Aptos" panose="020B0004020202020204" pitchFamily="34" charset="0"/>
-              </a:rPr>
-              <a:t>A Comparison of Response Type Scales in a Mock Trial Scenario</a:t>
-            </a:r>
-            <a:r>
-              <a:rPr lang="en-US" b="0" i="0" dirty="0">
-                <a:solidFill>
-                  <a:srgbClr val="000000"/>
-                </a:solidFill>
-                <a:effectLst/>
-                <a:highlight>
-                  <a:srgbClr val="FFFFFF"/>
-                </a:highlight>
-                <a:latin typeface="Aptos" panose="020B0004020202020204" pitchFamily="34" charset="0"/>
-              </a:rPr>
-              <a:t> </a:t>
-            </a:r>
-            <a:endParaRPr lang="en-US" dirty="0"/>
-          </a:p>
-        </p:txBody>
-      </p:sp>
-      <p:sp>
-        <p:nvSpPr>
-          <p:cNvPr id="3" name="Subtitle 2">
-            <a:extLst>
-              <a:ext uri="{FF2B5EF4-FFF2-40B4-BE49-F238E27FC236}">
-                <a16:creationId xmlns:a16="http://schemas.microsoft.com/office/drawing/2014/main" id="{CD49B127-5DB0-2E46-1AB6-C3BFAA0A6CB2}"/>
-              </a:ext>
-            </a:extLst>
-          </p:cNvPr>
-          <p:cNvSpPr>
-            <a:spLocks noGrp="1"/>
-          </p:cNvSpPr>
-          <p:nvPr>
-            <p:ph type="subTitle" idx="1"/>
-          </p:nvPr>
-        </p:nvSpPr>
-        <p:spPr/>
-        <p:txBody>
-          <a:bodyPr/>
-          <a:lstStyle/>
-          <a:p>
-            <a:r>
               <a:rPr lang="en-US" dirty="0">
                 <a:hlinkClick r:id="rId2"/>
               </a:rPr>
-              <a:t>https://rachelesrogers.github.io/Presentations/SDSS_2024/slides.html#1</a:t>
+              <a:t>A Comparison of Response Type Scales in a Mock Trial Scenario (rachelesrogers.github.io)</a:t>
             </a:r>
             <a:endParaRPr lang="en-US" dirty="0"/>
           </a:p>
-          <a:p>
+        </p:txBody>
+      </p:sp>
+      <p:sp>
+        <p:nvSpPr>
+          <p:cNvPr id="3" name="Subtitle 2">
+            <a:extLst>
+              <a:ext uri="{FF2B5EF4-FFF2-40B4-BE49-F238E27FC236}">
+                <a16:creationId xmlns:a16="http://schemas.microsoft.com/office/drawing/2014/main" id="{CD49B127-5DB0-2E46-1AB6-C3BFAA0A6CB2}"/>
+              </a:ext>
+            </a:extLst>
+          </p:cNvPr>
+          <p:cNvSpPr>
+            <a:spLocks noGrp="1"/>
+          </p:cNvSpPr>
+          <p:nvPr>
+            <p:ph type="subTitle" idx="1"/>
+          </p:nvPr>
+        </p:nvSpPr>
+        <p:spPr/>
+        <p:txBody>
+          <a:bodyPr/>
+          <a:lstStyle/>
+          <a:p>
+            <a:r>
+              <a:rPr lang="en-US" dirty="0"/>
+              <a:t>Rachel Rogers and Susan </a:t>
+            </a:r>
+            <a:r>
+              <a:rPr lang="en-US" dirty="0" err="1"/>
+              <a:t>Vanderplas</a:t>
+            </a:r>
             <a:endParaRPr lang="en-US" dirty="0"/>
           </a:p>
         </p:txBody>
